--- a/Prezentacie/8. Funkcie.pptx
+++ b/Prezentacie/8. Funkcie.pptx
@@ -3981,7 +3981,7 @@
             </a:fld>
             <a:r>
               <a:rPr lang="sk-SK" sz="1600" dirty="0"/>
-              <a:t> /12</a:t>
+              <a:t> / 12</a:t>
             </a:r>
             <a:endParaRPr lang="en-US" sz="1600" dirty="0"/>
           </a:p>
@@ -4143,7 +4143,7 @@
             </a:fld>
             <a:r>
               <a:rPr lang="sk-SK" sz="1600" dirty="0"/>
-              <a:t> /12</a:t>
+              <a:t>  / 12</a:t>
             </a:r>
             <a:endParaRPr lang="en-US" sz="1600" dirty="0"/>
           </a:p>
@@ -4831,7 +4831,7 @@
             </a:fld>
             <a:r>
               <a:rPr lang="sk-SK" sz="1600" dirty="0"/>
-              <a:t> /12</a:t>
+              <a:t>  / 12</a:t>
             </a:r>
           </a:p>
         </p:txBody>
@@ -4958,7 +4958,7 @@
         <p:spPr>
           <a:xfrm>
             <a:off x="838200" y="2760345"/>
-            <a:ext cx="10515600" cy="2390775"/>
+            <a:ext cx="10515600" cy="2157095"/>
           </a:xfrm>
           <a:solidFill>
             <a:schemeClr val="accent6">
@@ -5101,7 +5101,7 @@
             </a:fld>
             <a:r>
               <a:rPr lang="sk-SK" sz="1600" dirty="0"/>
-              <a:t>/12</a:t>
+              <a:t>  / 12</a:t>
             </a:r>
             <a:endParaRPr lang="en-US" sz="1600" dirty="0"/>
           </a:p>
@@ -5613,7 +5613,7 @@
             </a:fld>
             <a:r>
               <a:rPr lang="sk-SK" sz="1600" dirty="0"/>
-              <a:t> /12</a:t>
+              <a:t>  / 12</a:t>
             </a:r>
             <a:endParaRPr lang="en-US" sz="1600" dirty="0"/>
           </a:p>
@@ -5931,7 +5931,7 @@
             </a:fld>
             <a:r>
               <a:rPr lang="sk-SK" sz="1600" dirty="0"/>
-              <a:t> /12</a:t>
+              <a:t>  / 12</a:t>
             </a:r>
             <a:endParaRPr lang="en-US" sz="1600" dirty="0"/>
           </a:p>
@@ -6199,7 +6199,7 @@
               <a:buNone/>
             </a:pPr>
             <a:r>
-              <a:rPr lang="sk-SK" dirty="0">
+              <a:rPr lang="sk-SK" b="1" dirty="0">
                 <a:solidFill>
                   <a:srgbClr val="0070C0"/>
                 </a:solidFill>
@@ -6213,7 +6213,7 @@
               <a:buNone/>
             </a:pPr>
             <a:r>
-              <a:rPr lang="sk-SK" dirty="0">
+              <a:rPr lang="sk-SK" b="1" dirty="0">
                 <a:solidFill>
                   <a:srgbClr val="0070C0"/>
                 </a:solidFill>
@@ -6227,14 +6227,14 @@
               <a:buNone/>
             </a:pPr>
             <a:r>
-              <a:rPr lang="sk-SK" dirty="0">
+              <a:rPr lang="sk-SK" b="1" dirty="0">
                 <a:solidFill>
                   <a:srgbClr val="0070C0"/>
                 </a:solidFill>
               </a:rPr>
               <a:t>    return</a:t>
             </a:r>
-            <a:endParaRPr lang="en-US" dirty="0">
+            <a:endParaRPr lang="en-US" b="1" dirty="0">
               <a:solidFill>
                 <a:srgbClr val="0070C0"/>
               </a:solidFill>
@@ -6321,7 +6321,7 @@
                   </a:schemeClr>
                 </a:solidFill>
               </a:rPr>
-              <a:t>Príklad– Funkcie</a:t>
+              <a:t>Príklad – Funkcie</a:t>
             </a:r>
             <a:endParaRPr lang="en-US" sz="5400" b="1" dirty="0">
               <a:ln w="22225">
@@ -6398,7 +6398,7 @@
             </a:fld>
             <a:r>
               <a:rPr lang="sk-SK" sz="1600" dirty="0"/>
-              <a:t> /12</a:t>
+              <a:t>  / 12</a:t>
             </a:r>
             <a:endParaRPr lang="en-US" sz="1600" dirty="0"/>
           </a:p>
@@ -6893,7 +6893,7 @@
             </a:fld>
             <a:r>
               <a:rPr lang="sk-SK" sz="1600" dirty="0"/>
-              <a:t> /12</a:t>
+              <a:t>  / 12</a:t>
             </a:r>
             <a:endParaRPr lang="en-US" sz="1600" dirty="0"/>
           </a:p>
@@ -6964,7 +6964,7 @@
         </p:style>
         <p:txBody>
           <a:bodyPr vert="horz" lIns="91440" tIns="45720" rIns="91440" bIns="45720" rtlCol="0">
-            <a:normAutofit lnSpcReduction="10000"/>
+            <a:normAutofit fontScale="92500"/>
           </a:bodyPr>
           <a:lstStyle>
             <a:lvl1pPr marL="228600" indent="-228600" algn="l" defTabSz="914400" rtl="0" eaLnBrk="1" latinLnBrk="0" hangingPunct="1">
@@ -7138,7 +7138,7 @@
                   <a:srgbClr val="0070C0"/>
                 </a:solidFill>
               </a:rPr>
-              <a:t>za identifikítorom funkcie sa nachádzajú okrúhle zátvorky a dvojbodka</a:t>
+              <a:t>za identifikátorom funkcie sa nachádzajú okrúhle zátvorky a dvojbodka</a:t>
             </a:r>
           </a:p>
           <a:p>
@@ -7572,7 +7572,7 @@
             </a:fld>
             <a:r>
               <a:rPr lang="sk-SK" sz="1600" dirty="0"/>
-              <a:t> /12</a:t>
+              <a:t>  / 12</a:t>
             </a:r>
             <a:endParaRPr lang="en-US" sz="1600" dirty="0"/>
           </a:p>
@@ -7734,7 +7734,7 @@
             </a:fld>
             <a:r>
               <a:rPr lang="sk-SK" sz="1600" dirty="0"/>
-              <a:t> /12</a:t>
+              <a:t>  / 12</a:t>
             </a:r>
             <a:endParaRPr lang="en-US" sz="1600" dirty="0"/>
           </a:p>
@@ -8189,7 +8189,7 @@
             </a:fld>
             <a:r>
               <a:rPr lang="sk-SK" sz="1600" dirty="0"/>
-              <a:t> /12</a:t>
+              <a:t> / 12</a:t>
             </a:r>
             <a:endParaRPr lang="en-US" sz="1600" dirty="0"/>
           </a:p>
@@ -8432,7 +8432,7 @@
               <a:buNone/>
             </a:pPr>
             <a:r>
-              <a:rPr lang="pt-BR" sz="2000" dirty="0">
+              <a:rPr lang="pt-BR" sz="2000" b="1" dirty="0">
                 <a:solidFill>
                   <a:srgbClr val="0070C0"/>
                 </a:solidFill>
@@ -8446,7 +8446,7 @@
               <a:buNone/>
             </a:pPr>
             <a:r>
-              <a:rPr lang="pt-BR" sz="2000" dirty="0">
+              <a:rPr lang="pt-BR" sz="2000" b="1" dirty="0">
                 <a:solidFill>
                   <a:srgbClr val="0070C0"/>
                 </a:solidFill>
@@ -8460,7 +8460,7 @@
               <a:buNone/>
             </a:pPr>
             <a:r>
-              <a:rPr lang="pt-BR" sz="2000" dirty="0">
+              <a:rPr lang="pt-BR" sz="2000" b="1" dirty="0">
                 <a:solidFill>
                   <a:srgbClr val="0070C0"/>
                 </a:solidFill>
@@ -8712,7 +8712,7 @@
               <a:buNone/>
             </a:pPr>
             <a:r>
-              <a:rPr lang="pl-PL" sz="2000" dirty="0">
+              <a:rPr lang="pl-PL" sz="2000" b="1" dirty="0">
                 <a:solidFill>
                   <a:srgbClr val="0070C0"/>
                 </a:solidFill>
@@ -8726,7 +8726,7 @@
               <a:buNone/>
             </a:pPr>
             <a:r>
-              <a:rPr lang="pl-PL" sz="2000" dirty="0">
+              <a:rPr lang="pl-PL" sz="2000" b="1" dirty="0">
                 <a:solidFill>
                   <a:srgbClr val="0070C0"/>
                 </a:solidFill>
@@ -8740,7 +8740,7 @@
               <a:buNone/>
             </a:pPr>
             <a:r>
-              <a:rPr lang="pl-PL" sz="2000" dirty="0">
+              <a:rPr lang="pl-PL" sz="2000" b="1" dirty="0">
                 <a:solidFill>
                   <a:srgbClr val="0070C0"/>
                 </a:solidFill>
@@ -8754,7 +8754,7 @@
               <a:buNone/>
             </a:pPr>
             <a:r>
-              <a:rPr lang="pl-PL" sz="2000" dirty="0">
+              <a:rPr lang="pl-PL" sz="2000" b="1" dirty="0">
                 <a:solidFill>
                   <a:srgbClr val="0070C0"/>
                 </a:solidFill>
